--- a/website.pptx
+++ b/website.pptx
@@ -7,10 +7,10 @@
   <p:sldIdLst>
     <p:sldId id="256" r:id="rId2"/>
     <p:sldId id="257" r:id="rId3"/>
-    <p:sldId id="259" r:id="rId4"/>
-    <p:sldId id="258" r:id="rId5"/>
-    <p:sldId id="262" r:id="rId6"/>
-    <p:sldId id="260" r:id="rId7"/>
+    <p:sldId id="258" r:id="rId4"/>
+    <p:sldId id="259" r:id="rId5"/>
+    <p:sldId id="260" r:id="rId6"/>
+    <p:sldId id="262" r:id="rId7"/>
     <p:sldId id="263" r:id="rId8"/>
     <p:sldId id="261" r:id="rId9"/>
   </p:sldIdLst>
@@ -111,6 +111,11 @@
       </a:defRPr>
     </a:lvl9pPr>
   </p:defaultTextStyle>
+  <p:extLst>
+    <p:ext uri="{EFAFB233-063F-42B5-8137-9DF3F51BA10A}">
+      <p15:sldGuideLst xmlns:p15="http://schemas.microsoft.com/office/powerpoint/2012/main"/>
+    </p:ext>
+  </p:extLst>
 </p:presentation>
 </file>
 
@@ -4173,7 +4178,7 @@
         </p:spPr>
         <p:txBody>
           <a:bodyPr>
-            <a:normAutofit lnSpcReduction="10000"/>
+            <a:normAutofit fontScale="92500" lnSpcReduction="10000"/>
           </a:bodyPr>
           <a:lstStyle/>
           <a:p>
@@ -4193,7 +4198,7 @@
             </a:pPr>
             <a:r>
               <a:rPr lang="en-GB" dirty="0"/>
-              <a:t>Employers</a:t>
+              <a:t>Employers and learners</a:t>
             </a:r>
           </a:p>
           <a:p>
@@ -4213,7 +4218,7 @@
             </a:pPr>
             <a:r>
               <a:rPr lang="en-GB" dirty="0"/>
-              <a:t>To test potential hire’s typing speeds</a:t>
+              <a:t>To test potential hire’s typing speeds and to practice typing</a:t>
             </a:r>
           </a:p>
           <a:p>
@@ -4282,26 +4287,8 @@
               <a:buChar char="•"/>
             </a:pPr>
             <a:r>
-              <a:rPr lang="en-GB" dirty="0"/>
-              <a:t>While intended for employers, this website can be used by anyone to improve their own typing speed</a:t>
-            </a:r>
-          </a:p>
-          <a:p>
-            <a:pPr marL="0" indent="0">
-              <a:buNone/>
-            </a:pPr>
-            <a:r>
-              <a:rPr lang="en-GB" dirty="0"/>
+              <a:rPr lang="en-GB" sz="1800" dirty="0"/>
               <a:t>Ethical, legal and social considerations?</a:t>
-            </a:r>
-          </a:p>
-          <a:p>
-            <a:pPr marL="0" indent="0">
-              <a:buNone/>
-            </a:pPr>
-            <a:r>
-              <a:rPr lang="en-GB" dirty="0"/>
-              <a:t>- Accessibility -&gt; display a virtual keyboard on the website?</a:t>
             </a:r>
           </a:p>
           <a:p>
@@ -4309,7 +4296,40 @@
               <a:buFont typeface="Arial" panose="020B0604020202020204" pitchFamily="34" charset="0"/>
               <a:buChar char="•"/>
             </a:pPr>
-            <a:endParaRPr lang="en-GB" dirty="0"/>
+            <a:r>
+              <a:rPr lang="en-GB" sz="1600" dirty="0"/>
+              <a:t>Legal – Privacy concerns based on storing their information. </a:t>
+            </a:r>
+          </a:p>
+          <a:p>
+            <a:pPr lvl="1">
+              <a:buFont typeface="Arial" panose="020B0604020202020204" pitchFamily="34" charset="0"/>
+              <a:buChar char="•"/>
+            </a:pPr>
+            <a:r>
+              <a:rPr lang="en-GB" sz="1600" dirty="0"/>
+              <a:t>Social – Accessibility concerns based on different input methods</a:t>
+            </a:r>
+          </a:p>
+          <a:p>
+            <a:pPr>
+              <a:buFont typeface="Arial" panose="020B0604020202020204" pitchFamily="34" charset="0"/>
+              <a:buChar char="•"/>
+            </a:pPr>
+            <a:r>
+              <a:rPr lang="en-GB" sz="1800" dirty="0"/>
+              <a:t>Why am I doing it?</a:t>
+            </a:r>
+          </a:p>
+          <a:p>
+            <a:pPr lvl="1">
+              <a:buFont typeface="Arial" panose="020B0604020202020204" pitchFamily="34" charset="0"/>
+              <a:buChar char="•"/>
+            </a:pPr>
+            <a:r>
+              <a:rPr lang="en-GB" sz="1600" dirty="0"/>
+              <a:t>Personal goal to increase typing speed as much as I can since 2020.</a:t>
+            </a:r>
           </a:p>
         </p:txBody>
       </p:sp>
@@ -4348,99 +4368,6 @@
           <p:cNvPr id="2" name="Title 1">
             <a:extLst>
               <a:ext uri="{FF2B5EF4-FFF2-40B4-BE49-F238E27FC236}">
-                <a16:creationId xmlns:a16="http://schemas.microsoft.com/office/drawing/2014/main" id="{12C5D60C-EF66-3D9F-5D89-D08BF8A070DD}"/>
-              </a:ext>
-            </a:extLst>
-          </p:cNvPr>
-          <p:cNvSpPr>
-            <a:spLocks noGrp="1"/>
-          </p:cNvSpPr>
-          <p:nvPr>
-            <p:ph type="title"/>
-          </p:nvPr>
-        </p:nvSpPr>
-        <p:spPr/>
-        <p:txBody>
-          <a:bodyPr/>
-          <a:lstStyle/>
-          <a:p>
-            <a:r>
-              <a:rPr lang="en-GB" dirty="0"/>
-              <a:t>USER STORIES</a:t>
-            </a:r>
-          </a:p>
-        </p:txBody>
-      </p:sp>
-      <p:pic>
-        <p:nvPicPr>
-          <p:cNvPr id="5" name="Content Placeholder 4" descr="A diagram of a software development process&#10;&#10;Description automatically generated with medium confidence">
-            <a:extLst>
-              <a:ext uri="{FF2B5EF4-FFF2-40B4-BE49-F238E27FC236}">
-                <a16:creationId xmlns:a16="http://schemas.microsoft.com/office/drawing/2014/main" id="{D82C12C9-38EC-01ED-FB02-846E8E6FE74B}"/>
-              </a:ext>
-            </a:extLst>
-          </p:cNvPr>
-          <p:cNvPicPr>
-            <a:picLocks noGrp="1" noChangeAspect="1"/>
-          </p:cNvPicPr>
-          <p:nvPr>
-            <p:ph idx="1"/>
-          </p:nvPr>
-        </p:nvPicPr>
-        <p:blipFill>
-          <a:blip r:embed="rId2">
-            <a:extLst>
-              <a:ext uri="{28A0092B-C50C-407E-A947-70E740481C1C}">
-                <a14:useLocalDpi xmlns:a14="http://schemas.microsoft.com/office/drawing/2010/main" val="0"/>
-              </a:ext>
-            </a:extLst>
-          </a:blip>
-          <a:stretch>
-            <a:fillRect/>
-          </a:stretch>
-        </p:blipFill>
-        <p:spPr>
-          <a:xfrm>
-            <a:off x="1147664" y="1704103"/>
-            <a:ext cx="6486513" cy="4795511"/>
-          </a:xfrm>
-        </p:spPr>
-      </p:pic>
-    </p:spTree>
-    <p:extLst>
-      <p:ext uri="{BB962C8B-B14F-4D97-AF65-F5344CB8AC3E}">
-        <p14:creationId xmlns:p14="http://schemas.microsoft.com/office/powerpoint/2010/main" val="3748473530"/>
-      </p:ext>
-    </p:extLst>
-  </p:cSld>
-  <p:clrMapOvr>
-    <a:masterClrMapping/>
-  </p:clrMapOvr>
-</p:sld>
-</file>
-
-<file path=ppt/slides/slide4.xml><?xml version="1.0" encoding="utf-8"?>
-<p:sld xmlns:a="http://schemas.openxmlformats.org/drawingml/2006/main" xmlns:r="http://schemas.openxmlformats.org/officeDocument/2006/relationships" xmlns:p="http://schemas.openxmlformats.org/presentationml/2006/main">
-  <p:cSld>
-    <p:spTree>
-      <p:nvGrpSpPr>
-        <p:cNvPr id="1" name=""/>
-        <p:cNvGrpSpPr/>
-        <p:nvPr/>
-      </p:nvGrpSpPr>
-      <p:grpSpPr>
-        <a:xfrm>
-          <a:off x="0" y="0"/>
-          <a:ext cx="0" cy="0"/>
-          <a:chOff x="0" y="0"/>
-          <a:chExt cx="0" cy="0"/>
-        </a:xfrm>
-      </p:grpSpPr>
-      <p:sp>
-        <p:nvSpPr>
-          <p:cNvPr id="2" name="Title 1">
-            <a:extLst>
-              <a:ext uri="{FF2B5EF4-FFF2-40B4-BE49-F238E27FC236}">
                 <a16:creationId xmlns:a16="http://schemas.microsoft.com/office/drawing/2014/main" id="{47F41F0A-95F3-F72C-8D1B-D8C39F899113}"/>
               </a:ext>
             </a:extLst>
@@ -4491,14 +4418,14 @@
             <p:ph idx="1"/>
             <p:extLst>
               <p:ext uri="{D42A27DB-BD31-4B8C-83A1-F6EECF244321}">
-                <p14:modId xmlns:p14="http://schemas.microsoft.com/office/powerpoint/2010/main" val="2046167456"/>
+                <p14:modId xmlns:p14="http://schemas.microsoft.com/office/powerpoint/2010/main" val="3062157840"/>
               </p:ext>
             </p:extLst>
           </p:nvPr>
         </p:nvGraphicFramePr>
         <p:xfrm>
           <a:off x="757155" y="1176421"/>
-          <a:ext cx="10677690" cy="5298970"/>
+          <a:ext cx="10677690" cy="5401774"/>
         </p:xfrm>
         <a:graphic>
           <a:graphicData uri="http://schemas.openxmlformats.org/drawingml/2006/table">
@@ -4563,7 +4490,7 @@
                     <a:p>
                       <a:r>
                         <a:rPr lang="en-GB" dirty="0"/>
-                        <a:t>SPRINT 4 (WEEK 4-6) </a:t>
+                        <a:t>SPRINT 3 (WEEK 4-6) </a:t>
                       </a:r>
                     </a:p>
                   </a:txBody>
@@ -4595,7 +4522,13 @@
                     <a:p>
                       <a:r>
                         <a:rPr lang="en-GB" sz="1100" dirty="0"/>
-                        <a:t>- Create a flowchart to display the logic of website (Prototype uses this logic)</a:t>
+                        <a:t>- Create a flowchart to display the logic of website </a:t>
+                      </a:r>
+                    </a:p>
+                    <a:p>
+                      <a:r>
+                        <a:rPr lang="en-GB" sz="1100" dirty="0"/>
+                        <a:t>(basic logic to be used in prototype) </a:t>
                       </a:r>
                     </a:p>
                     <a:p>
@@ -4634,6 +4567,18 @@
                         <a:rPr lang="en-GB" sz="1100" b="0" dirty="0"/>
                         <a:t>- Create a skeleton of the code</a:t>
                       </a:r>
+                    </a:p>
+                    <a:p>
+                      <a:r>
+                        <a:rPr lang="en-GB" sz="1100" b="0" dirty="0"/>
+                        <a:t>- To amend ULM + Flowchart to match actual logic if any mistakes</a:t>
+                      </a:r>
+                    </a:p>
+                    <a:p>
+                      <a:r>
+                        <a:rPr lang="en-GB" sz="1100" b="0" dirty="0"/>
+                        <a:t>- Adhere to wireframe</a:t>
+                      </a:r>
                       <a:br>
                         <a:rPr lang="en-GB" sz="1100" b="0" dirty="0"/>
                       </a:br>
@@ -4649,7 +4594,7 @@
                       </a:pPr>
                       <a:r>
                         <a:rPr lang="en-GB" sz="1100" b="0" dirty="0"/>
-                        <a:t>Can do a 60second typing test for non-randomised array of words    </a:t>
+                        <a:t>Can do a 60second typing test for randomised array of words    </a:t>
                       </a:r>
                     </a:p>
                     <a:p>
@@ -4659,7 +4604,7 @@
                       </a:pPr>
                       <a:r>
                         <a:rPr lang="en-GB" sz="1100" b="0" dirty="0"/>
-                        <a:t>Gets WPM </a:t>
+                        <a:t>Gets WPM (words per minute)</a:t>
                       </a:r>
                     </a:p>
                     <a:p>
@@ -4682,6 +4627,30 @@
                       </a:r>
                     </a:p>
                     <a:p>
+                      <a:pPr marL="0" marR="0" lvl="0" indent="0" algn="l" defTabSz="914400" rtl="0" eaLnBrk="1" fontAlgn="auto" latinLnBrk="0" hangingPunct="1">
+                        <a:lnSpc>
+                          <a:spcPct val="100000"/>
+                        </a:lnSpc>
+                        <a:spcBef>
+                          <a:spcPts val="0"/>
+                        </a:spcBef>
+                        <a:spcAft>
+                          <a:spcPts val="0"/>
+                        </a:spcAft>
+                        <a:buClrTx/>
+                        <a:buSzTx/>
+                        <a:buFontTx/>
+                        <a:buNone/>
+                        <a:tabLst/>
+                        <a:defRPr/>
+                      </a:pPr>
+                      <a:r>
+                        <a:rPr lang="en-GB" sz="1100" dirty="0"/>
+                        <a:t>- Create new flowchart to show new structure</a:t>
+                      </a:r>
+                      <a:endParaRPr lang="en-GB" sz="1100" b="1" dirty="0"/>
+                    </a:p>
+                    <a:p>
                       <a:r>
                         <a:rPr lang="en-GB" sz="1100" dirty="0"/>
                         <a:t>- Redo UI to fit the wireframe</a:t>
@@ -4702,7 +4671,23 @@
                     <a:p>
                       <a:r>
                         <a:rPr lang="en-GB" sz="1100" dirty="0"/>
-                        <a:t>- Create new flowchart to show new structure of code</a:t>
+                        <a:t>- Make correctly inputted words autodelete on submit</a:t>
+                      </a:r>
+                    </a:p>
+                    <a:p>
+                      <a:r>
+                        <a:rPr lang="en-GB" sz="1100" dirty="0"/>
+                        <a:t>- Creation of proper testing</a:t>
+                      </a:r>
+                    </a:p>
+                    <a:p>
+                      <a:r>
+                        <a:rPr lang="en-GB" sz="1100"/>
+                        <a:t>- randomised </a:t>
+                      </a:r>
+                      <a:r>
+                        <a:rPr lang="en-GB" sz="1100" dirty="0"/>
+                        <a:t>input array generation</a:t>
                       </a:r>
                     </a:p>
                   </a:txBody>
@@ -4728,7 +4713,13 @@
                     <a:p>
                       <a:r>
                         <a:rPr lang="en-GB" sz="1100" dirty="0"/>
-                        <a:t>- Completed </a:t>
+                        <a:t>- Completed</a:t>
+                      </a:r>
+                    </a:p>
+                    <a:p>
+                      <a:r>
+                        <a:rPr lang="en-GB" sz="1100" dirty="0"/>
+                        <a:t>- Goals met</a:t>
                       </a:r>
                     </a:p>
                     <a:p>
@@ -4750,7 +4741,13 @@
                     <a:p>
                       <a:r>
                         <a:rPr lang="en-GB" sz="1100" b="0" dirty="0"/>
-                        <a:t> - Completed</a:t>
+                        <a:t>- Completed</a:t>
+                      </a:r>
+                    </a:p>
+                    <a:p>
+                      <a:r>
+                        <a:rPr lang="en-GB" sz="1100" b="0" dirty="0"/>
+                        <a:t>- Goals incomplete</a:t>
                       </a:r>
                     </a:p>
                   </a:txBody>
@@ -4773,7 +4770,7 @@
                       </a:r>
                       <a:r>
                         <a:rPr lang="en-GB" sz="1100" b="0" dirty="0"/>
-                        <a:t>Incomplete (Current sprint)</a:t>
+                        <a:t>Incomplete </a:t>
                       </a:r>
                     </a:p>
                   </a:txBody>
@@ -4800,7 +4797,7 @@
                     <a:p>
                       <a:r>
                         <a:rPr lang="en-GB" sz="1100" dirty="0"/>
-                        <a:t>- Using UML and flowchart as base, create a working prototype </a:t>
+                        <a:t>- Using UML and flowchart as base create a working prototype </a:t>
                       </a:r>
                     </a:p>
                     <a:p>
@@ -4826,9 +4823,31 @@
                       </a:r>
                       <a:r>
                         <a:rPr lang="en-GB" sz="1100" b="0" dirty="0"/>
-                        <a:t>Creating Ui to be similar or match the wireframe as current looks incredibly dull and outdated</a:t>
+                        <a:t>Adhering to the wireframe UI design</a:t>
                       </a:r>
-                      <a:endParaRPr lang="en-GB" sz="1100" b="1" dirty="0"/>
+                    </a:p>
+                    <a:p>
+                      <a:r>
+                        <a:rPr lang="en-GB" sz="1100" b="0" dirty="0"/>
+                        <a:t>- Implementing new features</a:t>
+                      </a:r>
+                      <a:r>
+                        <a:rPr lang="en-GB" sz="1100" b="1" dirty="0"/>
+                        <a:t> </a:t>
+                      </a:r>
+                      <a:r>
+                        <a:rPr lang="en-GB" sz="1100" b="0" dirty="0"/>
+                        <a:t>(Time options and difficulty options, pseudo-random expected inputs)</a:t>
+                      </a:r>
+                    </a:p>
+                    <a:p>
+                      <a:r>
+                        <a:rPr lang="en-GB" sz="1100" b="0" dirty="0"/>
+                        <a:t>- Polish of previous features (words get auto deleted in input box, WPM  + timer displayed on website not console + randomised array is not done, )</a:t>
+                      </a:r>
+                    </a:p>
+                    <a:p>
+                      <a:endParaRPr lang="en-GB" sz="1100" b="0" dirty="0"/>
                     </a:p>
                   </a:txBody>
                   <a:tcPr/>
@@ -4850,7 +4869,7 @@
                       </a:r>
                       <a:r>
                         <a:rPr lang="en-GB" sz="1100" b="0" dirty="0"/>
-                        <a:t>Assuming completed), implement option to change timer and ensure WPM calculation changes based on the timer change and show errors live</a:t>
+                        <a:t>Assuming goals completed), implement option to change timer and ensure WPM calculation changes based on the timer change and show errors live</a:t>
                       </a:r>
                     </a:p>
                   </a:txBody>
@@ -4879,7 +4898,7 @@
 </p:sld>
 </file>
 
-<file path=ppt/slides/slide5.xml><?xml version="1.0" encoding="utf-8"?>
+<file path=ppt/slides/slide4.xml><?xml version="1.0" encoding="utf-8"?>
 <p:sld xmlns:a="http://schemas.openxmlformats.org/drawingml/2006/main" xmlns:r="http://schemas.openxmlformats.org/officeDocument/2006/relationships" xmlns:p="http://schemas.openxmlformats.org/presentationml/2006/main">
   <p:cSld>
     <p:spTree>
@@ -4901,7 +4920,7 @@
           <p:cNvPr id="2" name="Title 1">
             <a:extLst>
               <a:ext uri="{FF2B5EF4-FFF2-40B4-BE49-F238E27FC236}">
-                <a16:creationId xmlns:a16="http://schemas.microsoft.com/office/drawing/2014/main" id="{67DDB090-50FC-9861-0757-00648DEB06A5}"/>
+                <a16:creationId xmlns:a16="http://schemas.microsoft.com/office/drawing/2014/main" id="{12C5D60C-EF66-3D9F-5D89-D08BF8A070DD}"/>
               </a:ext>
             </a:extLst>
           </p:cNvPr>
@@ -4919,17 +4938,17 @@
           <a:p>
             <a:r>
               <a:rPr lang="en-GB" dirty="0"/>
-              <a:t>THE FLOWCHART OF LOGIC</a:t>
+              <a:t>USER STORIES</a:t>
             </a:r>
           </a:p>
         </p:txBody>
       </p:sp>
       <p:pic>
         <p:nvPicPr>
-          <p:cNvPr id="9" name="Content Placeholder 8" descr="A diagram of a program&#10;&#10;Description automatically generated">
+          <p:cNvPr id="5" name="Content Placeholder 4" descr="A diagram of a software development process&#10;&#10;Description automatically generated with medium confidence">
             <a:extLst>
               <a:ext uri="{FF2B5EF4-FFF2-40B4-BE49-F238E27FC236}">
-                <a16:creationId xmlns:a16="http://schemas.microsoft.com/office/drawing/2014/main" id="{CDC9341F-1E41-EB06-612C-D7F3EC7B7952}"/>
+                <a16:creationId xmlns:a16="http://schemas.microsoft.com/office/drawing/2014/main" id="{D82C12C9-38EC-01ED-FB02-846E8E6FE74B}"/>
               </a:ext>
             </a:extLst>
           </p:cNvPr>
@@ -4954,50 +4973,15 @@
         </p:blipFill>
         <p:spPr>
           <a:xfrm>
-            <a:off x="1209605" y="1649186"/>
-            <a:ext cx="5394395" cy="4392904"/>
+            <a:off x="1147664" y="1704103"/>
+            <a:ext cx="6486513" cy="4795511"/>
           </a:xfrm>
         </p:spPr>
       </p:pic>
-      <p:sp>
-        <p:nvSpPr>
-          <p:cNvPr id="10" name="TextBox 9">
-            <a:extLst>
-              <a:ext uri="{FF2B5EF4-FFF2-40B4-BE49-F238E27FC236}">
-                <a16:creationId xmlns:a16="http://schemas.microsoft.com/office/drawing/2014/main" id="{7C0F1D7A-3F7D-8A40-3B42-D8AF19B192F1}"/>
-              </a:ext>
-            </a:extLst>
-          </p:cNvPr>
-          <p:cNvSpPr txBox="1"/>
-          <p:nvPr/>
-        </p:nvSpPr>
-        <p:spPr>
-          <a:xfrm>
-            <a:off x="7590971" y="2198914"/>
-            <a:ext cx="1754711" cy="369332"/>
-          </a:xfrm>
-          <a:prstGeom prst="rect">
-            <a:avLst/>
-          </a:prstGeom>
-          <a:noFill/>
-        </p:spPr>
-        <p:txBody>
-          <a:bodyPr wrap="none" rtlCol="0">
-            <a:spAutoFit/>
-          </a:bodyPr>
-          <a:lstStyle/>
-          <a:p>
-            <a:r>
-              <a:rPr lang="en-GB" dirty="0"/>
-              <a:t>Enter text here</a:t>
-            </a:r>
-          </a:p>
-        </p:txBody>
-      </p:sp>
     </p:spTree>
     <p:extLst>
       <p:ext uri="{BB962C8B-B14F-4D97-AF65-F5344CB8AC3E}">
-        <p14:creationId xmlns:p14="http://schemas.microsoft.com/office/powerpoint/2010/main" val="3798910448"/>
+        <p14:creationId xmlns:p14="http://schemas.microsoft.com/office/powerpoint/2010/main" val="3748473530"/>
       </p:ext>
     </p:extLst>
   </p:cSld>
@@ -5007,7 +4991,7 @@
 </p:sld>
 </file>
 
-<file path=ppt/slides/slide6.xml><?xml version="1.0" encoding="utf-8"?>
+<file path=ppt/slides/slide5.xml><?xml version="1.0" encoding="utf-8"?>
 <p:sld xmlns:a="http://schemas.openxmlformats.org/drawingml/2006/main" xmlns:r="http://schemas.openxmlformats.org/officeDocument/2006/relationships" xmlns:p="http://schemas.openxmlformats.org/presentationml/2006/main">
   <p:cSld>
     <p:spTree>
@@ -5138,7 +5122,7 @@
         </p:blipFill>
         <p:spPr>
           <a:xfrm>
-            <a:off x="7665346" y="1209152"/>
+            <a:off x="7661512" y="1331094"/>
             <a:ext cx="3753043" cy="2711589"/>
           </a:xfrm>
           <a:prstGeom prst="rect">
@@ -5185,6 +5169,140 @@
     <p:extLst>
       <p:ext uri="{BB962C8B-B14F-4D97-AF65-F5344CB8AC3E}">
         <p14:creationId xmlns:p14="http://schemas.microsoft.com/office/powerpoint/2010/main" val="1578505702"/>
+      </p:ext>
+    </p:extLst>
+  </p:cSld>
+  <p:clrMapOvr>
+    <a:masterClrMapping/>
+  </p:clrMapOvr>
+</p:sld>
+</file>
+
+<file path=ppt/slides/slide6.xml><?xml version="1.0" encoding="utf-8"?>
+<p:sld xmlns:a="http://schemas.openxmlformats.org/drawingml/2006/main" xmlns:r="http://schemas.openxmlformats.org/officeDocument/2006/relationships" xmlns:p="http://schemas.openxmlformats.org/presentationml/2006/main">
+  <p:cSld>
+    <p:spTree>
+      <p:nvGrpSpPr>
+        <p:cNvPr id="1" name=""/>
+        <p:cNvGrpSpPr/>
+        <p:nvPr/>
+      </p:nvGrpSpPr>
+      <p:grpSpPr>
+        <a:xfrm>
+          <a:off x="0" y="0"/>
+          <a:ext cx="0" cy="0"/>
+          <a:chOff x="0" y="0"/>
+          <a:chExt cx="0" cy="0"/>
+        </a:xfrm>
+      </p:grpSpPr>
+      <p:sp>
+        <p:nvSpPr>
+          <p:cNvPr id="2" name="Title 1">
+            <a:extLst>
+              <a:ext uri="{FF2B5EF4-FFF2-40B4-BE49-F238E27FC236}">
+                <a16:creationId xmlns:a16="http://schemas.microsoft.com/office/drawing/2014/main" id="{67DDB090-50FC-9861-0757-00648DEB06A5}"/>
+              </a:ext>
+            </a:extLst>
+          </p:cNvPr>
+          <p:cNvSpPr>
+            <a:spLocks noGrp="1"/>
+          </p:cNvSpPr>
+          <p:nvPr>
+            <p:ph type="title"/>
+          </p:nvPr>
+        </p:nvSpPr>
+        <p:spPr>
+          <a:xfrm>
+            <a:off x="316977" y="-59654"/>
+            <a:ext cx="10058400" cy="1609344"/>
+          </a:xfrm>
+        </p:spPr>
+        <p:txBody>
+          <a:bodyPr/>
+          <a:lstStyle/>
+          <a:p>
+            <a:r>
+              <a:rPr lang="en-GB" dirty="0"/>
+              <a:t>ULM + FLOWCHART OF PROTOTYPE</a:t>
+            </a:r>
+          </a:p>
+        </p:txBody>
+      </p:sp>
+      <p:pic>
+        <p:nvPicPr>
+          <p:cNvPr id="9" name="Content Placeholder 8" descr="A diagram of a program&#10;&#10;Description automatically generated">
+            <a:extLst>
+              <a:ext uri="{FF2B5EF4-FFF2-40B4-BE49-F238E27FC236}">
+                <a16:creationId xmlns:a16="http://schemas.microsoft.com/office/drawing/2014/main" id="{CDC9341F-1E41-EB06-612C-D7F3EC7B7952}"/>
+              </a:ext>
+            </a:extLst>
+          </p:cNvPr>
+          <p:cNvPicPr>
+            <a:picLocks noGrp="1" noChangeAspect="1"/>
+          </p:cNvPicPr>
+          <p:nvPr>
+            <p:ph idx="1"/>
+          </p:nvPr>
+        </p:nvPicPr>
+        <p:blipFill>
+          <a:blip r:embed="rId2">
+            <a:extLst>
+              <a:ext uri="{28A0092B-C50C-407E-A947-70E740481C1C}">
+                <a14:useLocalDpi xmlns:a14="http://schemas.microsoft.com/office/drawing/2010/main" val="0"/>
+              </a:ext>
+            </a:extLst>
+          </a:blip>
+          <a:stretch>
+            <a:fillRect/>
+          </a:stretch>
+        </p:blipFill>
+        <p:spPr>
+          <a:xfrm>
+            <a:off x="425834" y="1289304"/>
+            <a:ext cx="5394395" cy="4392904"/>
+          </a:xfrm>
+        </p:spPr>
+      </p:pic>
+      <p:pic>
+        <p:nvPicPr>
+          <p:cNvPr id="3" name="Content Placeholder 4" descr="A diagram of a program&#10;&#10;Description automatically generated">
+            <a:extLst>
+              <a:ext uri="{FF2B5EF4-FFF2-40B4-BE49-F238E27FC236}">
+                <a16:creationId xmlns:a16="http://schemas.microsoft.com/office/drawing/2014/main" id="{BF2B62B2-3FBF-5609-9005-6FF7022156E9}"/>
+              </a:ext>
+            </a:extLst>
+          </p:cNvPr>
+          <p:cNvPicPr>
+            <a:picLocks noChangeAspect="1"/>
+          </p:cNvPicPr>
+          <p:nvPr/>
+        </p:nvPicPr>
+        <p:blipFill>
+          <a:blip r:embed="rId3">
+            <a:extLst>
+              <a:ext uri="{28A0092B-C50C-407E-A947-70E740481C1C}">
+                <a14:useLocalDpi xmlns:a14="http://schemas.microsoft.com/office/drawing/2010/main" val="0"/>
+              </a:ext>
+            </a:extLst>
+          </a:blip>
+          <a:stretch>
+            <a:fillRect/>
+          </a:stretch>
+        </p:blipFill>
+        <p:spPr>
+          <a:xfrm>
+            <a:off x="6350421" y="1403350"/>
+            <a:ext cx="3455751" cy="4051300"/>
+          </a:xfrm>
+          <a:prstGeom prst="rect">
+            <a:avLst/>
+          </a:prstGeom>
+        </p:spPr>
+      </p:pic>
+    </p:spTree>
+    <p:extLst>
+      <p:ext uri="{BB962C8B-B14F-4D97-AF65-F5344CB8AC3E}">
+        <p14:creationId xmlns:p14="http://schemas.microsoft.com/office/powerpoint/2010/main" val="3798910448"/>
       </p:ext>
     </p:extLst>
   </p:cSld>
@@ -5227,7 +5345,12 @@
             <p:ph type="title"/>
           </p:nvPr>
         </p:nvSpPr>
-        <p:spPr/>
+        <p:spPr>
+          <a:xfrm>
+            <a:off x="3551791" y="1047858"/>
+            <a:ext cx="10058400" cy="4979997"/>
+          </a:xfrm>
+        </p:spPr>
         <p:txBody>
           <a:bodyPr/>
           <a:lstStyle/>
@@ -5272,7 +5395,7 @@
           <a:bodyPr/>
           <a:lstStyle/>
           <a:p>
-            <a:endParaRPr lang="en-GB"/>
+            <a:endParaRPr lang="en-GB" dirty="0"/>
           </a:p>
         </p:txBody>
       </p:sp>
@@ -5292,6 +5415,14 @@
 <file path=ppt/slides/slide8.xml><?xml version="1.0" encoding="utf-8"?>
 <p:sld xmlns:a="http://schemas.openxmlformats.org/drawingml/2006/main" xmlns:r="http://schemas.openxmlformats.org/officeDocument/2006/relationships" xmlns:p="http://schemas.openxmlformats.org/presentationml/2006/main">
   <p:cSld>
+    <p:bg>
+      <p:bgPr>
+        <a:solidFill>
+          <a:schemeClr val="bg1"/>
+        </a:solidFill>
+        <a:effectLst/>
+      </p:bgPr>
+    </p:bg>
     <p:spTree>
       <p:nvGrpSpPr>
         <p:cNvPr id="1" name=""/>
@@ -5306,6 +5437,66 @@
           <a:chExt cx="0" cy="0"/>
         </a:xfrm>
       </p:grpSpPr>
+      <p:sp useBgFill="1">
+        <p:nvSpPr>
+          <p:cNvPr id="9" name="Rectangle 8">
+            <a:extLst>
+              <a:ext uri="{FF2B5EF4-FFF2-40B4-BE49-F238E27FC236}">
+                <a16:creationId xmlns:a16="http://schemas.microsoft.com/office/drawing/2014/main" id="{D8AFD15B-CF29-4306-884F-47675092F91F}"/>
+              </a:ext>
+              <a:ext uri="{C183D7F6-B498-43B3-948B-1728B52AA6E4}">
+                <adec:decorative xmlns:adec="http://schemas.microsoft.com/office/drawing/2017/decorative" val="1"/>
+              </a:ext>
+            </a:extLst>
+          </p:cNvPr>
+          <p:cNvSpPr>
+            <a:spLocks noGrp="1" noRot="1" noChangeAspect="1" noMove="1" noResize="1" noEditPoints="1" noAdjustHandles="1" noChangeArrowheads="1" noChangeShapeType="1" noTextEdit="1"/>
+          </p:cNvSpPr>
+          <p:nvPr>
+            <p:extLst>
+              <p:ext uri="{386F3935-93C4-4BCD-93E2-E3B085C9AB24}">
+                <p16:designElem xmlns:p16="http://schemas.microsoft.com/office/powerpoint/2015/main" val="1"/>
+              </p:ext>
+            </p:extLst>
+          </p:nvPr>
+        </p:nvSpPr>
+        <p:spPr>
+          <a:xfrm>
+            <a:off x="0" y="0"/>
+            <a:ext cx="12188952" cy="6858000"/>
+          </a:xfrm>
+          <a:prstGeom prst="rect">
+            <a:avLst/>
+          </a:prstGeom>
+          <a:ln>
+            <a:noFill/>
+          </a:ln>
+        </p:spPr>
+        <p:style>
+          <a:lnRef idx="2">
+            <a:schemeClr val="accent1">
+              <a:shade val="50000"/>
+            </a:schemeClr>
+          </a:lnRef>
+          <a:fillRef idx="1">
+            <a:schemeClr val="accent1"/>
+          </a:fillRef>
+          <a:effectRef idx="0">
+            <a:schemeClr val="accent1"/>
+          </a:effectRef>
+          <a:fontRef idx="minor">
+            <a:schemeClr val="lt1"/>
+          </a:fontRef>
+        </p:style>
+        <p:txBody>
+          <a:bodyPr rtlCol="0" anchor="ctr"/>
+          <a:lstStyle/>
+          <a:p>
+            <a:pPr algn="ctr"/>
+            <a:endParaRPr lang="en-US"/>
+          </a:p>
+        </p:txBody>
+      </p:sp>
       <p:sp>
         <p:nvSpPr>
           <p:cNvPr id="2" name="Title 1">
@@ -5322,15 +5513,452 @@
             <p:ph type="title"/>
           </p:nvPr>
         </p:nvSpPr>
-        <p:spPr/>
-        <p:txBody>
-          <a:bodyPr/>
+        <p:spPr>
+          <a:xfrm>
+            <a:off x="6587544" y="1382165"/>
+            <a:ext cx="4869179" cy="1517984"/>
+          </a:xfrm>
+        </p:spPr>
+        <p:txBody>
+          <a:bodyPr>
+            <a:normAutofit/>
+          </a:bodyPr>
           <a:lstStyle/>
           <a:p>
             <a:r>
-              <a:rPr lang="en-GB" dirty="0"/>
+              <a:rPr lang="en-GB" sz="4800">
+                <a:solidFill>
+                  <a:srgbClr val="000000"/>
+                </a:solidFill>
+              </a:rPr>
               <a:t>Challenges I’VE FACED</a:t>
             </a:r>
+          </a:p>
+        </p:txBody>
+      </p:sp>
+      <p:pic>
+        <p:nvPicPr>
+          <p:cNvPr id="5" name="Picture 4" descr="Computer script on a screen">
+            <a:extLst>
+              <a:ext uri="{FF2B5EF4-FFF2-40B4-BE49-F238E27FC236}">
+                <a16:creationId xmlns:a16="http://schemas.microsoft.com/office/drawing/2014/main" id="{D94EE5F0-8D38-8AEE-0551-2BA46DD5AD54}"/>
+              </a:ext>
+            </a:extLst>
+          </p:cNvPr>
+          <p:cNvPicPr>
+            <a:picLocks noChangeAspect="1"/>
+          </p:cNvPicPr>
+          <p:nvPr/>
+        </p:nvPicPr>
+        <p:blipFill rotWithShape="1">
+          <a:blip r:embed="rId2"/>
+          <a:srcRect r="36769" b="1"/>
+          <a:stretch/>
+        </p:blipFill>
+        <p:spPr>
+          <a:xfrm>
+            <a:off x="-9866" y="401980"/>
+            <a:ext cx="6115733" cy="6456021"/>
+          </a:xfrm>
+          <a:custGeom>
+            <a:avLst/>
+            <a:gdLst/>
+            <a:ahLst/>
+            <a:cxnLst/>
+            <a:rect l="l" t="t" r="r" b="b"/>
+            <a:pathLst>
+              <a:path w="6115733" h="6456021">
+                <a:moveTo>
+                  <a:pt x="2259477" y="433395"/>
+                </a:moveTo>
+                <a:cubicBezTo>
+                  <a:pt x="4149632" y="433395"/>
+                  <a:pt x="5681904" y="1964133"/>
+                  <a:pt x="5681904" y="3852396"/>
+                </a:cubicBezTo>
+                <a:cubicBezTo>
+                  <a:pt x="5681904" y="4796527"/>
+                  <a:pt x="5298836" y="5651278"/>
+                  <a:pt x="4679499" y="6269995"/>
+                </a:cubicBezTo>
+                <a:lnTo>
+                  <a:pt x="4474613" y="6456021"/>
+                </a:lnTo>
+                <a:lnTo>
+                  <a:pt x="44341" y="6456021"/>
+                </a:lnTo>
+                <a:lnTo>
+                  <a:pt x="0" y="6415762"/>
+                </a:lnTo>
+                <a:lnTo>
+                  <a:pt x="0" y="1289029"/>
+                </a:lnTo>
+                <a:lnTo>
+                  <a:pt x="82495" y="1214128"/>
+                </a:lnTo>
+                <a:cubicBezTo>
+                  <a:pt x="674092" y="726388"/>
+                  <a:pt x="1432534" y="433395"/>
+                  <a:pt x="2259477" y="433395"/>
+                </a:cubicBezTo>
+                <a:close/>
+                <a:moveTo>
+                  <a:pt x="2259477" y="0"/>
+                </a:moveTo>
+                <a:cubicBezTo>
+                  <a:pt x="4389229" y="0"/>
+                  <a:pt x="6115733" y="1724776"/>
+                  <a:pt x="6115733" y="3852396"/>
+                </a:cubicBezTo>
+                <a:cubicBezTo>
+                  <a:pt x="6115733" y="4783230"/>
+                  <a:pt x="5785270" y="5636956"/>
+                  <a:pt x="5235152" y="6302877"/>
+                </a:cubicBezTo>
+                <a:lnTo>
+                  <a:pt x="5095826" y="6456021"/>
+                </a:lnTo>
+                <a:lnTo>
+                  <a:pt x="4617788" y="6456021"/>
+                </a:lnTo>
+                <a:lnTo>
+                  <a:pt x="4747668" y="6338096"/>
+                </a:lnTo>
+                <a:cubicBezTo>
+                  <a:pt x="5384452" y="5701950"/>
+                  <a:pt x="5778311" y="4823122"/>
+                  <a:pt x="5778311" y="3852396"/>
+                </a:cubicBezTo>
+                <a:cubicBezTo>
+                  <a:pt x="5778311" y="1910944"/>
+                  <a:pt x="4202875" y="337085"/>
+                  <a:pt x="2259477" y="337085"/>
+                </a:cubicBezTo>
+                <a:cubicBezTo>
+                  <a:pt x="1409240" y="337085"/>
+                  <a:pt x="629434" y="638331"/>
+                  <a:pt x="21172" y="1139811"/>
+                </a:cubicBezTo>
+                <a:lnTo>
+                  <a:pt x="0" y="1159034"/>
+                </a:lnTo>
+                <a:lnTo>
+                  <a:pt x="0" y="735177"/>
+                </a:lnTo>
+                <a:lnTo>
+                  <a:pt x="103407" y="657929"/>
+                </a:lnTo>
+                <a:cubicBezTo>
+                  <a:pt x="718869" y="242547"/>
+                  <a:pt x="1460820" y="0"/>
+                  <a:pt x="2259477" y="0"/>
+                </a:cubicBezTo>
+                <a:close/>
+              </a:path>
+            </a:pathLst>
+          </a:custGeom>
+        </p:spPr>
+      </p:pic>
+      <p:sp>
+        <p:nvSpPr>
+          <p:cNvPr id="11" name="Freeform: Shape 10">
+            <a:extLst>
+              <a:ext uri="{FF2B5EF4-FFF2-40B4-BE49-F238E27FC236}">
+                <a16:creationId xmlns:a16="http://schemas.microsoft.com/office/drawing/2014/main" id="{96349AB3-1BD3-41E1-8979-1DBDCB5CDCF9}"/>
+              </a:ext>
+              <a:ext uri="{C183D7F6-B498-43B3-948B-1728B52AA6E4}">
+                <adec:decorative xmlns:adec="http://schemas.microsoft.com/office/drawing/2017/decorative" val="1"/>
+              </a:ext>
+            </a:extLst>
+          </p:cNvPr>
+          <p:cNvSpPr>
+            <a:spLocks noGrp="1" noRot="1" noChangeAspect="1" noMove="1" noResize="1" noEditPoints="1" noAdjustHandles="1" noChangeArrowheads="1" noChangeShapeType="1" noTextEdit="1"/>
+          </p:cNvSpPr>
+          <p:nvPr>
+            <p:extLst>
+              <p:ext uri="{386F3935-93C4-4BCD-93E2-E3B085C9AB24}">
+                <p16:designElem xmlns:p16="http://schemas.microsoft.com/office/powerpoint/2015/main" val="1"/>
+              </p:ext>
+            </p:extLst>
+          </p:nvPr>
+        </p:nvSpPr>
+        <p:spPr>
+          <a:xfrm>
+            <a:off x="-9866" y="401980"/>
+            <a:ext cx="6115733" cy="6456021"/>
+          </a:xfrm>
+          <a:custGeom>
+            <a:avLst/>
+            <a:gdLst>
+              <a:gd name="connsiteX0" fmla="*/ 2259477 w 6115733"/>
+              <a:gd name="connsiteY0" fmla="*/ 433395 h 6456021"/>
+              <a:gd name="connsiteX1" fmla="*/ 5681904 w 6115733"/>
+              <a:gd name="connsiteY1" fmla="*/ 3852396 h 6456021"/>
+              <a:gd name="connsiteX2" fmla="*/ 4679499 w 6115733"/>
+              <a:gd name="connsiteY2" fmla="*/ 6269995 h 6456021"/>
+              <a:gd name="connsiteX3" fmla="*/ 4474613 w 6115733"/>
+              <a:gd name="connsiteY3" fmla="*/ 6456021 h 6456021"/>
+              <a:gd name="connsiteX4" fmla="*/ 44341 w 6115733"/>
+              <a:gd name="connsiteY4" fmla="*/ 6456021 h 6456021"/>
+              <a:gd name="connsiteX5" fmla="*/ 0 w 6115733"/>
+              <a:gd name="connsiteY5" fmla="*/ 6415762 h 6456021"/>
+              <a:gd name="connsiteX6" fmla="*/ 0 w 6115733"/>
+              <a:gd name="connsiteY6" fmla="*/ 1289029 h 6456021"/>
+              <a:gd name="connsiteX7" fmla="*/ 82495 w 6115733"/>
+              <a:gd name="connsiteY7" fmla="*/ 1214128 h 6456021"/>
+              <a:gd name="connsiteX8" fmla="*/ 2259477 w 6115733"/>
+              <a:gd name="connsiteY8" fmla="*/ 433395 h 6456021"/>
+              <a:gd name="connsiteX9" fmla="*/ 2259477 w 6115733"/>
+              <a:gd name="connsiteY9" fmla="*/ 0 h 6456021"/>
+              <a:gd name="connsiteX10" fmla="*/ 6115733 w 6115733"/>
+              <a:gd name="connsiteY10" fmla="*/ 3852396 h 6456021"/>
+              <a:gd name="connsiteX11" fmla="*/ 5235152 w 6115733"/>
+              <a:gd name="connsiteY11" fmla="*/ 6302877 h 6456021"/>
+              <a:gd name="connsiteX12" fmla="*/ 5095826 w 6115733"/>
+              <a:gd name="connsiteY12" fmla="*/ 6456021 h 6456021"/>
+              <a:gd name="connsiteX13" fmla="*/ 4617788 w 6115733"/>
+              <a:gd name="connsiteY13" fmla="*/ 6456021 h 6456021"/>
+              <a:gd name="connsiteX14" fmla="*/ 4747668 w 6115733"/>
+              <a:gd name="connsiteY14" fmla="*/ 6338096 h 6456021"/>
+              <a:gd name="connsiteX15" fmla="*/ 5778311 w 6115733"/>
+              <a:gd name="connsiteY15" fmla="*/ 3852396 h 6456021"/>
+              <a:gd name="connsiteX16" fmla="*/ 2259477 w 6115733"/>
+              <a:gd name="connsiteY16" fmla="*/ 337085 h 6456021"/>
+              <a:gd name="connsiteX17" fmla="*/ 21172 w 6115733"/>
+              <a:gd name="connsiteY17" fmla="*/ 1139811 h 6456021"/>
+              <a:gd name="connsiteX18" fmla="*/ 0 w 6115733"/>
+              <a:gd name="connsiteY18" fmla="*/ 1159034 h 6456021"/>
+              <a:gd name="connsiteX19" fmla="*/ 0 w 6115733"/>
+              <a:gd name="connsiteY19" fmla="*/ 735177 h 6456021"/>
+              <a:gd name="connsiteX20" fmla="*/ 103407 w 6115733"/>
+              <a:gd name="connsiteY20" fmla="*/ 657929 h 6456021"/>
+              <a:gd name="connsiteX21" fmla="*/ 2259477 w 6115733"/>
+              <a:gd name="connsiteY21" fmla="*/ 0 h 6456021"/>
+            </a:gdLst>
+            <a:ahLst/>
+            <a:cxnLst>
+              <a:cxn ang="0">
+                <a:pos x="connsiteX0" y="connsiteY0"/>
+              </a:cxn>
+              <a:cxn ang="0">
+                <a:pos x="connsiteX1" y="connsiteY1"/>
+              </a:cxn>
+              <a:cxn ang="0">
+                <a:pos x="connsiteX2" y="connsiteY2"/>
+              </a:cxn>
+              <a:cxn ang="0">
+                <a:pos x="connsiteX3" y="connsiteY3"/>
+              </a:cxn>
+              <a:cxn ang="0">
+                <a:pos x="connsiteX4" y="connsiteY4"/>
+              </a:cxn>
+              <a:cxn ang="0">
+                <a:pos x="connsiteX5" y="connsiteY5"/>
+              </a:cxn>
+              <a:cxn ang="0">
+                <a:pos x="connsiteX6" y="connsiteY6"/>
+              </a:cxn>
+              <a:cxn ang="0">
+                <a:pos x="connsiteX7" y="connsiteY7"/>
+              </a:cxn>
+              <a:cxn ang="0">
+                <a:pos x="connsiteX8" y="connsiteY8"/>
+              </a:cxn>
+              <a:cxn ang="0">
+                <a:pos x="connsiteX9" y="connsiteY9"/>
+              </a:cxn>
+              <a:cxn ang="0">
+                <a:pos x="connsiteX10" y="connsiteY10"/>
+              </a:cxn>
+              <a:cxn ang="0">
+                <a:pos x="connsiteX11" y="connsiteY11"/>
+              </a:cxn>
+              <a:cxn ang="0">
+                <a:pos x="connsiteX12" y="connsiteY12"/>
+              </a:cxn>
+              <a:cxn ang="0">
+                <a:pos x="connsiteX13" y="connsiteY13"/>
+              </a:cxn>
+              <a:cxn ang="0">
+                <a:pos x="connsiteX14" y="connsiteY14"/>
+              </a:cxn>
+              <a:cxn ang="0">
+                <a:pos x="connsiteX15" y="connsiteY15"/>
+              </a:cxn>
+              <a:cxn ang="0">
+                <a:pos x="connsiteX16" y="connsiteY16"/>
+              </a:cxn>
+              <a:cxn ang="0">
+                <a:pos x="connsiteX17" y="connsiteY17"/>
+              </a:cxn>
+              <a:cxn ang="0">
+                <a:pos x="connsiteX18" y="connsiteY18"/>
+              </a:cxn>
+              <a:cxn ang="0">
+                <a:pos x="connsiteX19" y="connsiteY19"/>
+              </a:cxn>
+              <a:cxn ang="0">
+                <a:pos x="connsiteX20" y="connsiteY20"/>
+              </a:cxn>
+              <a:cxn ang="0">
+                <a:pos x="connsiteX21" y="connsiteY21"/>
+              </a:cxn>
+            </a:cxnLst>
+            <a:rect l="l" t="t" r="r" b="b"/>
+            <a:pathLst>
+              <a:path w="6115733" h="6456021">
+                <a:moveTo>
+                  <a:pt x="2259477" y="433395"/>
+                </a:moveTo>
+                <a:cubicBezTo>
+                  <a:pt x="4149632" y="433395"/>
+                  <a:pt x="5681904" y="1964133"/>
+                  <a:pt x="5681904" y="3852396"/>
+                </a:cubicBezTo>
+                <a:cubicBezTo>
+                  <a:pt x="5681904" y="4796527"/>
+                  <a:pt x="5298836" y="5651278"/>
+                  <a:pt x="4679499" y="6269995"/>
+                </a:cubicBezTo>
+                <a:lnTo>
+                  <a:pt x="4474613" y="6456021"/>
+                </a:lnTo>
+                <a:lnTo>
+                  <a:pt x="44341" y="6456021"/>
+                </a:lnTo>
+                <a:lnTo>
+                  <a:pt x="0" y="6415762"/>
+                </a:lnTo>
+                <a:lnTo>
+                  <a:pt x="0" y="1289029"/>
+                </a:lnTo>
+                <a:lnTo>
+                  <a:pt x="82495" y="1214128"/>
+                </a:lnTo>
+                <a:cubicBezTo>
+                  <a:pt x="674092" y="726388"/>
+                  <a:pt x="1432534" y="433395"/>
+                  <a:pt x="2259477" y="433395"/>
+                </a:cubicBezTo>
+                <a:close/>
+                <a:moveTo>
+                  <a:pt x="2259477" y="0"/>
+                </a:moveTo>
+                <a:cubicBezTo>
+                  <a:pt x="4389229" y="0"/>
+                  <a:pt x="6115733" y="1724776"/>
+                  <a:pt x="6115733" y="3852396"/>
+                </a:cubicBezTo>
+                <a:cubicBezTo>
+                  <a:pt x="6115733" y="4783230"/>
+                  <a:pt x="5785270" y="5636956"/>
+                  <a:pt x="5235152" y="6302877"/>
+                </a:cubicBezTo>
+                <a:lnTo>
+                  <a:pt x="5095826" y="6456021"/>
+                </a:lnTo>
+                <a:lnTo>
+                  <a:pt x="4617788" y="6456021"/>
+                </a:lnTo>
+                <a:lnTo>
+                  <a:pt x="4747668" y="6338096"/>
+                </a:lnTo>
+                <a:cubicBezTo>
+                  <a:pt x="5384452" y="5701950"/>
+                  <a:pt x="5778311" y="4823122"/>
+                  <a:pt x="5778311" y="3852396"/>
+                </a:cubicBezTo>
+                <a:cubicBezTo>
+                  <a:pt x="5778311" y="1910944"/>
+                  <a:pt x="4202875" y="337085"/>
+                  <a:pt x="2259477" y="337085"/>
+                </a:cubicBezTo>
+                <a:cubicBezTo>
+                  <a:pt x="1409240" y="337085"/>
+                  <a:pt x="629434" y="638331"/>
+                  <a:pt x="21172" y="1139811"/>
+                </a:cubicBezTo>
+                <a:lnTo>
+                  <a:pt x="0" y="1159034"/>
+                </a:lnTo>
+                <a:lnTo>
+                  <a:pt x="0" y="735177"/>
+                </a:lnTo>
+                <a:lnTo>
+                  <a:pt x="103407" y="657929"/>
+                </a:lnTo>
+                <a:cubicBezTo>
+                  <a:pt x="718869" y="242547"/>
+                  <a:pt x="1460820" y="0"/>
+                  <a:pt x="2259477" y="0"/>
+                </a:cubicBezTo>
+                <a:close/>
+              </a:path>
+            </a:pathLst>
+          </a:custGeom>
+          <a:blipFill dpi="0" rotWithShape="1">
+            <a:blip r:embed="rId3">
+              <a:alphaModFix amt="30000"/>
+              <a:duotone>
+                <a:prstClr val="black"/>
+                <a:schemeClr val="accent1">
+                  <a:tint val="45000"/>
+                  <a:satMod val="400000"/>
+                </a:schemeClr>
+              </a:duotone>
+              <a:extLst>
+                <a:ext uri="{BEBA8EAE-BF5A-486C-A8C5-ECC9F3942E4B}">
+                  <a14:imgProps xmlns:a14="http://schemas.microsoft.com/office/drawing/2010/main">
+                    <a14:imgLayer r:embed="rId4">
+                      <a14:imgEffect>
+                        <a14:sharpenSoften amount="61000"/>
+                      </a14:imgEffect>
+                      <a14:imgEffect>
+                        <a14:brightnessContrast bright="-25000" contrast="20000"/>
+                      </a14:imgEffect>
+                    </a14:imgLayer>
+                  </a14:imgProps>
+                </a:ext>
+                <a:ext uri="{28A0092B-C50C-407E-A947-70E740481C1C}">
+                  <a14:useLocalDpi xmlns:a14="http://schemas.microsoft.com/office/drawing/2010/main" val="0"/>
+                </a:ext>
+              </a:extLst>
+            </a:blip>
+            <a:srcRect/>
+            <a:tile tx="0" ty="-762000" sx="92000" sy="89000" flip="xy" algn="ctr"/>
+          </a:blipFill>
+          <a:ln>
+            <a:noFill/>
+          </a:ln>
+        </p:spPr>
+        <p:style>
+          <a:lnRef idx="2">
+            <a:schemeClr val="accent1">
+              <a:shade val="50000"/>
+            </a:schemeClr>
+          </a:lnRef>
+          <a:fillRef idx="1">
+            <a:schemeClr val="accent1"/>
+          </a:fillRef>
+          <a:effectRef idx="0">
+            <a:schemeClr val="accent1"/>
+          </a:effectRef>
+          <a:fontRef idx="minor">
+            <a:schemeClr val="lt1"/>
+          </a:fontRef>
+        </p:style>
+        <p:txBody>
+          <a:bodyPr wrap="square" rtlCol="0" anchor="ctr">
+            <a:noAutofit/>
+          </a:bodyPr>
+          <a:lstStyle/>
+          <a:p>
+            <a:pPr algn="ctr"/>
+            <a:endParaRPr lang="en-US" dirty="0">
+              <a:solidFill>
+                <a:schemeClr val="lt1"/>
+              </a:solidFill>
+            </a:endParaRPr>
           </a:p>
         </p:txBody>
       </p:sp>
@@ -5350,60 +5978,264 @@
             <p:ph idx="1"/>
           </p:nvPr>
         </p:nvSpPr>
-        <p:spPr/>
-        <p:txBody>
-          <a:bodyPr/>
+        <p:spPr>
+          <a:xfrm>
+            <a:off x="6587545" y="3007389"/>
+            <a:ext cx="4869179" cy="3065865"/>
+          </a:xfrm>
+        </p:spPr>
+        <p:txBody>
+          <a:bodyPr anchor="t">
+            <a:normAutofit/>
+          </a:bodyPr>
           <a:lstStyle/>
           <a:p>
             <a:r>
-              <a:rPr lang="en-GB" dirty="0"/>
+              <a:rPr lang="en-GB" sz="1300" dirty="0">
+                <a:solidFill>
+                  <a:srgbClr val="000000"/>
+                </a:solidFill>
+              </a:rPr>
               <a:t>Coding challenges</a:t>
             </a:r>
           </a:p>
           <a:p>
             <a:pPr lvl="1"/>
             <a:r>
-              <a:rPr lang="en-GB" dirty="0"/>
+              <a:rPr lang="en-GB" sz="1300" dirty="0">
+                <a:solidFill>
+                  <a:srgbClr val="000000"/>
+                </a:solidFill>
+              </a:rPr>
               <a:t>Novice at JavaScript, HTML and CSS</a:t>
             </a:r>
           </a:p>
           <a:p>
             <a:r>
-              <a:rPr lang="en-GB" dirty="0"/>
-              <a:t>Creation of the UI to fit the wireframe</a:t>
-            </a:r>
+              <a:rPr lang="en-GB" sz="1300" dirty="0">
+                <a:solidFill>
+                  <a:srgbClr val="000000"/>
+                </a:solidFill>
+              </a:rPr>
+              <a:t>Time management with other projects</a:t>
+            </a:r>
+          </a:p>
+          <a:p>
+            <a:r>
+              <a:rPr lang="en-GB" sz="1300" dirty="0">
+                <a:solidFill>
+                  <a:srgbClr val="000000"/>
+                </a:solidFill>
+              </a:rPr>
+              <a:t>Initial creation of validation of input</a:t>
+            </a:r>
+          </a:p>
+          <a:p>
+            <a:r>
+              <a:rPr lang="en-GB" sz="1300" dirty="0">
+                <a:solidFill>
+                  <a:srgbClr val="000000"/>
+                </a:solidFill>
+              </a:rPr>
+              <a:t>Implementation of timer</a:t>
+            </a:r>
+          </a:p>
+          <a:p>
+            <a:r>
+              <a:rPr lang="en-GB" sz="1300" dirty="0">
+                <a:solidFill>
+                  <a:srgbClr val="000000"/>
+                </a:solidFill>
+              </a:rPr>
+              <a:t>Creation of pseudo-random words as expected input</a:t>
+            </a:r>
+          </a:p>
+          <a:p>
+            <a:endParaRPr lang="en-GB" sz="1300" dirty="0">
+              <a:solidFill>
+                <a:srgbClr val="000000"/>
+              </a:solidFill>
+            </a:endParaRPr>
           </a:p>
           <a:p>
             <a:pPr lvl="1"/>
-            <a:r>
-              <a:rPr lang="en-GB" dirty="0"/>
-              <a:t>As this changes are made later, it is not shown within the prototype </a:t>
-            </a:r>
-          </a:p>
-          <a:p>
-            <a:r>
-              <a:rPr lang="en-GB" dirty="0"/>
-              <a:t>Time management with other projects</a:t>
-            </a:r>
-          </a:p>
-          <a:p>
-            <a:endParaRPr lang="en-GB" dirty="0"/>
-          </a:p>
-          <a:p>
-            <a:pPr lvl="1"/>
-            <a:endParaRPr lang="en-GB" dirty="0"/>
-          </a:p>
-          <a:p>
-            <a:endParaRPr lang="en-GB" dirty="0"/>
-          </a:p>
-          <a:p>
-            <a:endParaRPr lang="en-GB" dirty="0"/>
-          </a:p>
-          <a:p>
-            <a:endParaRPr lang="en-GB" dirty="0"/>
-          </a:p>
-        </p:txBody>
-      </p:sp>
+            <a:endParaRPr lang="en-GB" sz="1300" dirty="0">
+              <a:solidFill>
+                <a:srgbClr val="000000"/>
+              </a:solidFill>
+            </a:endParaRPr>
+          </a:p>
+          <a:p>
+            <a:endParaRPr lang="en-GB" sz="1300" dirty="0">
+              <a:solidFill>
+                <a:srgbClr val="000000"/>
+              </a:solidFill>
+            </a:endParaRPr>
+          </a:p>
+          <a:p>
+            <a:endParaRPr lang="en-GB" sz="1300" dirty="0">
+              <a:solidFill>
+                <a:srgbClr val="000000"/>
+              </a:solidFill>
+            </a:endParaRPr>
+          </a:p>
+          <a:p>
+            <a:endParaRPr lang="en-GB" sz="1300" dirty="0">
+              <a:solidFill>
+                <a:srgbClr val="000000"/>
+              </a:solidFill>
+            </a:endParaRPr>
+          </a:p>
+        </p:txBody>
+      </p:sp>
+      <p:grpSp>
+        <p:nvGrpSpPr>
+          <p:cNvPr id="13" name="Group 12">
+            <a:extLst>
+              <a:ext uri="{FF2B5EF4-FFF2-40B4-BE49-F238E27FC236}">
+                <a16:creationId xmlns:a16="http://schemas.microsoft.com/office/drawing/2014/main" id="{54CA915D-BDF0-41F8-B00E-FB186EFF7BD6}"/>
+              </a:ext>
+              <a:ext uri="{C183D7F6-B498-43B3-948B-1728B52AA6E4}">
+                <adec:decorative xmlns:adec="http://schemas.microsoft.com/office/drawing/2017/decorative" val="1"/>
+              </a:ext>
+            </a:extLst>
+          </p:cNvPr>
+          <p:cNvGrpSpPr>
+            <a:grpSpLocks noGrp="1" noUngrp="1" noRot="1" noChangeAspect="1" noMove="1" noResize="1"/>
+          </p:cNvGrpSpPr>
+          <p:nvPr>
+            <p:extLst>
+              <p:ext uri="{386F3935-93C4-4BCD-93E2-E3B085C9AB24}">
+                <p16:designElem xmlns:p16="http://schemas.microsoft.com/office/powerpoint/2015/main" val="1"/>
+              </p:ext>
+            </p:extLst>
+          </p:nvPr>
+        </p:nvGrpSpPr>
+        <p:grpSpPr>
+          <a:xfrm>
+            <a:off x="11401725" y="6229681"/>
+            <a:ext cx="457200" cy="457200"/>
+            <a:chOff x="11361456" y="6195813"/>
+            <a:chExt cx="548640" cy="548640"/>
+          </a:xfrm>
+        </p:grpSpPr>
+        <p:sp>
+          <p:nvSpPr>
+            <p:cNvPr id="14" name="Oval 13">
+              <a:extLst>
+                <a:ext uri="{FF2B5EF4-FFF2-40B4-BE49-F238E27FC236}">
+                  <a16:creationId xmlns:a16="http://schemas.microsoft.com/office/drawing/2014/main" id="{317AAC03-BF64-4E67-9032-3BD024998026}"/>
+                </a:ext>
+                <a:ext uri="{C183D7F6-B498-43B3-948B-1728B52AA6E4}">
+                  <adec:decorative xmlns:adec="http://schemas.microsoft.com/office/drawing/2017/decorative" val="1"/>
+                </a:ext>
+              </a:extLst>
+            </p:cNvPr>
+            <p:cNvSpPr/>
+            <p:nvPr>
+              <p:extLst>
+                <p:ext uri="{386F3935-93C4-4BCD-93E2-E3B085C9AB24}">
+                  <p16:designElem xmlns:p16="http://schemas.microsoft.com/office/powerpoint/2015/main" val="1"/>
+                </p:ext>
+              </p:extLst>
+            </p:nvPr>
+          </p:nvSpPr>
+          <p:spPr>
+            <a:xfrm>
+              <a:off x="11361456" y="6195813"/>
+              <a:ext cx="548640" cy="548640"/>
+            </a:xfrm>
+            <a:prstGeom prst="ellipse">
+              <a:avLst/>
+            </a:prstGeom>
+            <a:blipFill dpi="0" rotWithShape="1">
+              <a:blip r:embed="rId5">
+                <a:duotone>
+                  <a:schemeClr val="accent1">
+                    <a:shade val="45000"/>
+                    <a:satMod val="135000"/>
+                  </a:schemeClr>
+                  <a:prstClr val="white"/>
+                </a:duotone>
+                <a:extLst>
+                  <a:ext uri="{BEBA8EAE-BF5A-486C-A8C5-ECC9F3942E4B}">
+                    <a14:imgProps xmlns:a14="http://schemas.microsoft.com/office/drawing/2010/main">
+                      <a14:imgLayer r:embed="rId6">
+                        <a14:imgEffect>
+                          <a14:saturation sat="95000"/>
+                        </a14:imgEffect>
+                        <a14:imgEffect>
+                          <a14:brightnessContrast bright="-40000" contrast="20000"/>
+                        </a14:imgEffect>
+                      </a14:imgLayer>
+                    </a14:imgProps>
+                  </a:ext>
+                </a:extLst>
+              </a:blip>
+              <a:srcRect/>
+              <a:tile tx="50800" ty="0" sx="85000" sy="85000" flip="none" algn="tl"/>
+            </a:blipFill>
+            <a:ln w="25400" cap="flat" cmpd="sng" algn="ctr">
+              <a:noFill/>
+              <a:prstDash val="solid"/>
+            </a:ln>
+            <a:effectLst/>
+          </p:spPr>
+          <p:txBody>
+            <a:bodyPr/>
+            <a:lstStyle/>
+            <a:p>
+              <a:endParaRPr lang="en-GB"/>
+            </a:p>
+          </p:txBody>
+        </p:sp>
+        <p:sp>
+          <p:nvSpPr>
+            <p:cNvPr id="15" name="Oval 14">
+              <a:extLst>
+                <a:ext uri="{FF2B5EF4-FFF2-40B4-BE49-F238E27FC236}">
+                  <a16:creationId xmlns:a16="http://schemas.microsoft.com/office/drawing/2014/main" id="{1A131397-5A45-4344-9983-5E400A3EA588}"/>
+                </a:ext>
+                <a:ext uri="{C183D7F6-B498-43B3-948B-1728B52AA6E4}">
+                  <adec:decorative xmlns:adec="http://schemas.microsoft.com/office/drawing/2017/decorative" val="1"/>
+                </a:ext>
+              </a:extLst>
+            </p:cNvPr>
+            <p:cNvSpPr/>
+            <p:nvPr>
+              <p:extLst>
+                <p:ext uri="{386F3935-93C4-4BCD-93E2-E3B085C9AB24}">
+                  <p16:designElem xmlns:p16="http://schemas.microsoft.com/office/powerpoint/2015/main" val="1"/>
+                </p:ext>
+              </p:extLst>
+            </p:nvPr>
+          </p:nvSpPr>
+          <p:spPr>
+            <a:xfrm>
+              <a:off x="11396488" y="6230844"/>
+              <a:ext cx="478576" cy="478578"/>
+            </a:xfrm>
+            <a:prstGeom prst="ellipse">
+              <a:avLst/>
+            </a:prstGeom>
+            <a:noFill/>
+            <a:ln w="12700" cap="flat" cmpd="sng" algn="ctr">
+              <a:solidFill>
+                <a:srgbClr val="FFFFFF"/>
+              </a:solidFill>
+              <a:prstDash val="solid"/>
+            </a:ln>
+            <a:effectLst/>
+          </p:spPr>
+          <p:txBody>
+            <a:bodyPr/>
+            <a:lstStyle/>
+            <a:p>
+              <a:endParaRPr lang="en-GB"/>
+            </a:p>
+          </p:txBody>
+        </p:sp>
+      </p:grpSp>
     </p:spTree>
     <p:extLst>
       <p:ext uri="{BB962C8B-B14F-4D97-AF65-F5344CB8AC3E}">

--- a/website.pptx
+++ b/website.pptx
@@ -4052,7 +4052,7 @@
           <a:p>
             <a:r>
               <a:rPr lang="en-GB" dirty="0"/>
-              <a:t>COMP1004: INTERIM VIDEO - Typing quiz</a:t>
+              <a:t>COMP1004: INTERIM VIDEO - Typing TESTS</a:t>
             </a:r>
           </a:p>
         </p:txBody>
@@ -4187,8 +4187,8 @@
               <a:buChar char="•"/>
             </a:pPr>
             <a:r>
-              <a:rPr lang="en-GB" dirty="0"/>
-              <a:t>Who it’s for?</a:t>
+              <a:rPr lang="en-GB" sz="1800" dirty="0"/>
+              <a:t>Why am I doing it?</a:t>
             </a:r>
           </a:p>
           <a:p>
@@ -4197,9 +4197,10 @@
               <a:buChar char="•"/>
             </a:pPr>
             <a:r>
-              <a:rPr lang="en-GB" dirty="0"/>
-              <a:t>Employers and learners</a:t>
-            </a:r>
+              <a:rPr lang="en-GB" sz="1600" dirty="0"/>
+              <a:t>Personal goal to increase typing speed as much as I can since 2020.</a:t>
+            </a:r>
+            <a:endParaRPr lang="en-GB" dirty="0"/>
           </a:p>
           <a:p>
             <a:pPr>
@@ -4208,7 +4209,7 @@
             </a:pPr>
             <a:r>
               <a:rPr lang="en-GB" dirty="0"/>
-              <a:t>Why?</a:t>
+              <a:t>Who it’s for?</a:t>
             </a:r>
           </a:p>
           <a:p>
@@ -4218,7 +4219,7 @@
             </a:pPr>
             <a:r>
               <a:rPr lang="en-GB" dirty="0"/>
-              <a:t>To test potential hire’s typing speeds and to practice typing</a:t>
+              <a:t>Employers and learners</a:t>
             </a:r>
           </a:p>
           <a:p>
@@ -4228,7 +4229,7 @@
             </a:pPr>
             <a:r>
               <a:rPr lang="en-GB" dirty="0"/>
-              <a:t>Why is it important?</a:t>
+              <a:t>Why?</a:t>
             </a:r>
           </a:p>
           <a:p>
@@ -4238,7 +4239,17 @@
             </a:pPr>
             <a:r>
               <a:rPr lang="en-GB" dirty="0"/>
-              <a:t>To improve collaboration between team members within office jobs</a:t>
+              <a:t>To test potential hire’s typing speeds and to practice typing</a:t>
+            </a:r>
+          </a:p>
+          <a:p>
+            <a:pPr>
+              <a:buFont typeface="Arial" panose="020B0604020202020204" pitchFamily="34" charset="0"/>
+              <a:buChar char="•"/>
+            </a:pPr>
+            <a:r>
+              <a:rPr lang="en-GB" dirty="0"/>
+              <a:t>Why is it important?</a:t>
             </a:r>
           </a:p>
           <a:p>
@@ -4248,6 +4259,16 @@
             </a:pPr>
             <a:r>
               <a:rPr lang="en-GB" dirty="0"/>
+              <a:t>To improve collaboration between team members within office jobs</a:t>
+            </a:r>
+          </a:p>
+          <a:p>
+            <a:pPr lvl="1">
+              <a:buFont typeface="Arial" panose="020B0604020202020204" pitchFamily="34" charset="0"/>
+              <a:buChar char="•"/>
+            </a:pPr>
+            <a:r>
+              <a:rPr lang="en-GB" dirty="0"/>
               <a:t>To improve efficiency in administers jobs</a:t>
             </a:r>
           </a:p>
@@ -4309,26 +4330,6 @@
             <a:r>
               <a:rPr lang="en-GB" sz="1600" dirty="0"/>
               <a:t>Social – Accessibility concerns based on different input methods</a:t>
-            </a:r>
-          </a:p>
-          <a:p>
-            <a:pPr>
-              <a:buFont typeface="Arial" panose="020B0604020202020204" pitchFamily="34" charset="0"/>
-              <a:buChar char="•"/>
-            </a:pPr>
-            <a:r>
-              <a:rPr lang="en-GB" sz="1800" dirty="0"/>
-              <a:t>Why am I doing it?</a:t>
-            </a:r>
-          </a:p>
-          <a:p>
-            <a:pPr lvl="1">
-              <a:buFont typeface="Arial" panose="020B0604020202020204" pitchFamily="34" charset="0"/>
-              <a:buChar char="•"/>
-            </a:pPr>
-            <a:r>
-              <a:rPr lang="en-GB" sz="1600" dirty="0"/>
-              <a:t>Personal goal to increase typing speed as much as I can since 2020.</a:t>
             </a:r>
           </a:p>
         </p:txBody>
@@ -4418,7 +4419,7 @@
             <p:ph idx="1"/>
             <p:extLst>
               <p:ext uri="{D42A27DB-BD31-4B8C-83A1-F6EECF244321}">
-                <p14:modId xmlns:p14="http://schemas.microsoft.com/office/powerpoint/2010/main" val="3062157840"/>
+                <p14:modId xmlns:p14="http://schemas.microsoft.com/office/powerpoint/2010/main" val="1964113680"/>
               </p:ext>
             </p:extLst>
           </p:nvPr>
@@ -4835,15 +4836,32 @@
                         <a:rPr lang="en-GB" sz="1100" b="1" dirty="0"/>
                         <a:t> </a:t>
                       </a:r>
+                      <a:endParaRPr lang="en-GB" sz="1100" b="0" dirty="0"/>
+                    </a:p>
+                    <a:p>
                       <a:r>
                         <a:rPr lang="en-GB" sz="1100" b="0" dirty="0"/>
-                        <a:t>(Time options and difficulty options, pseudo-random expected inputs)</a:t>
+                        <a:t>Time options and difficulty </a:t>
+                      </a:r>
+                      <a:r>
+                        <a:rPr lang="en-GB" sz="1100" b="0"/>
+                        <a:t>options+ pseudo-random </a:t>
+                      </a:r>
+                      <a:r>
+                        <a:rPr lang="en-GB" sz="1100" b="0" dirty="0"/>
+                        <a:t>expected inputs</a:t>
                       </a:r>
                     </a:p>
                     <a:p>
                       <a:r>
                         <a:rPr lang="en-GB" sz="1100" b="0" dirty="0"/>
-                        <a:t>- Polish of previous features (words get auto deleted in input box, WPM  + timer displayed on website not console + randomised array is not done, )</a:t>
+                        <a:t>- Polish of previous features </a:t>
+                      </a:r>
+                    </a:p>
+                    <a:p>
+                      <a:r>
+                        <a:rPr lang="en-GB" sz="1100" b="0" dirty="0"/>
+                        <a:t>words get auto deleted in input box, WPM  + timer displayed on website not console + randomised array IS NOT DONE</a:t>
                       </a:r>
                     </a:p>
                     <a:p>
